--- a/Notion_Basic.1.pptx
+++ b/Notion_Basic.1.pptx
@@ -10,6 +10,7 @@
     <p:sldId id="258" r:id="rId4"/>
     <p:sldId id="259" r:id="rId5"/>
     <p:sldId id="260" r:id="rId6"/>
+    <p:sldId id="261" r:id="rId7"/>
   </p:sldIdLst>
   <p:sldSz cx="12192000" cy="6858000"/>
   <p:notesSz cx="6858000" cy="9144000"/>
@@ -122,9 +123,13 @@
             <p14:sldId id="258"/>
             <p14:sldId id="259"/>
             <p14:sldId id="260"/>
+            <p14:sldId id="261"/>
           </p14:sldIdLst>
         </p14:section>
       </p14:sectionLst>
+    </p:ext>
+    <p:ext uri="{EFAFB233-063F-42B5-8137-9DF3F51BA10A}">
+      <p15:sldGuideLst xmlns:p15="http://schemas.microsoft.com/office/powerpoint/2012/main"/>
     </p:ext>
   </p:extLst>
 </p:presentation>
@@ -319,7 +324,7 @@
             <a:fld id="{B61BEF0D-F0BB-DE4B-95CE-6DB70DBA9567}" type="datetimeFigureOut">
               <a:rPr lang="en-US" dirty="0"/>
               <a:pPr/>
-              <a:t>9/24/2024</a:t>
+              <a:t>9/28/2024</a:t>
             </a:fld>
             <a:endParaRPr lang="en-US" dirty="0"/>
           </a:p>
@@ -654,7 +659,7 @@
             <a:fld id="{B61BEF0D-F0BB-DE4B-95CE-6DB70DBA9567}" type="datetimeFigureOut">
               <a:rPr lang="en-US" dirty="0"/>
               <a:pPr/>
-              <a:t>9/24/2024</a:t>
+              <a:t>9/28/2024</a:t>
             </a:fld>
             <a:endParaRPr lang="en-US" dirty="0"/>
           </a:p>
@@ -1052,7 +1057,7 @@
             <a:fld id="{B61BEF0D-F0BB-DE4B-95CE-6DB70DBA9567}" type="datetimeFigureOut">
               <a:rPr lang="en-US" dirty="0"/>
               <a:pPr/>
-              <a:t>9/24/2024</a:t>
+              <a:t>9/28/2024</a:t>
             </a:fld>
             <a:endParaRPr lang="en-US" dirty="0"/>
           </a:p>
@@ -1385,7 +1390,7 @@
             <a:fld id="{B61BEF0D-F0BB-DE4B-95CE-6DB70DBA9567}" type="datetimeFigureOut">
               <a:rPr lang="en-US" dirty="0"/>
               <a:pPr/>
-              <a:t>9/24/2024</a:t>
+              <a:t>9/28/2024</a:t>
             </a:fld>
             <a:endParaRPr lang="en-US" dirty="0"/>
           </a:p>
@@ -1702,7 +1707,7 @@
             <a:fld id="{B61BEF0D-F0BB-DE4B-95CE-6DB70DBA9567}" type="datetimeFigureOut">
               <a:rPr lang="en-US" dirty="0"/>
               <a:pPr/>
-              <a:t>9/24/2024</a:t>
+              <a:t>9/28/2024</a:t>
             </a:fld>
             <a:endParaRPr lang="en-US" dirty="0"/>
           </a:p>
@@ -2095,7 +2100,7 @@
             <a:fld id="{B61BEF0D-F0BB-DE4B-95CE-6DB70DBA9567}" type="datetimeFigureOut">
               <a:rPr lang="en-US" dirty="0"/>
               <a:pPr/>
-              <a:t>9/24/2024</a:t>
+              <a:t>9/28/2024</a:t>
             </a:fld>
             <a:endParaRPr lang="en-US" dirty="0"/>
           </a:p>
@@ -2349,7 +2354,7 @@
             <a:fld id="{B61BEF0D-F0BB-DE4B-95CE-6DB70DBA9567}" type="datetimeFigureOut">
               <a:rPr lang="en-US" dirty="0"/>
               <a:pPr/>
-              <a:t>9/24/2024</a:t>
+              <a:t>9/28/2024</a:t>
             </a:fld>
             <a:endParaRPr lang="en-US" dirty="0"/>
           </a:p>
@@ -2608,7 +2613,7 @@
             <a:fld id="{B61BEF0D-F0BB-DE4B-95CE-6DB70DBA9567}" type="datetimeFigureOut">
               <a:rPr lang="en-US" dirty="0"/>
               <a:pPr/>
-              <a:t>9/24/2024</a:t>
+              <a:t>9/28/2024</a:t>
             </a:fld>
             <a:endParaRPr lang="en-US" dirty="0"/>
           </a:p>
@@ -2867,7 +2872,7 @@
             <a:fld id="{B61BEF0D-F0BB-DE4B-95CE-6DB70DBA9567}" type="datetimeFigureOut">
               <a:rPr lang="en-US" dirty="0"/>
               <a:pPr/>
-              <a:t>9/24/2024</a:t>
+              <a:t>9/28/2024</a:t>
             </a:fld>
             <a:endParaRPr lang="en-US" dirty="0"/>
           </a:p>
@@ -3193,7 +3198,7 @@
             <a:fld id="{B61BEF0D-F0BB-DE4B-95CE-6DB70DBA9567}" type="datetimeFigureOut">
               <a:rPr lang="en-US" dirty="0"/>
               <a:pPr/>
-              <a:t>9/24/2024</a:t>
+              <a:t>9/28/2024</a:t>
             </a:fld>
             <a:endParaRPr lang="en-US" dirty="0"/>
           </a:p>
@@ -3513,7 +3518,7 @@
             <a:fld id="{B61BEF0D-F0BB-DE4B-95CE-6DB70DBA9567}" type="datetimeFigureOut">
               <a:rPr lang="en-US" dirty="0"/>
               <a:pPr/>
-              <a:t>9/24/2024</a:t>
+              <a:t>9/28/2024</a:t>
             </a:fld>
             <a:endParaRPr lang="en-US" dirty="0"/>
           </a:p>
@@ -3967,7 +3972,7 @@
             <a:fld id="{B61BEF0D-F0BB-DE4B-95CE-6DB70DBA9567}" type="datetimeFigureOut">
               <a:rPr lang="en-US" dirty="0"/>
               <a:pPr/>
-              <a:t>9/24/2024</a:t>
+              <a:t>9/28/2024</a:t>
             </a:fld>
             <a:endParaRPr lang="en-US" dirty="0"/>
           </a:p>
@@ -4169,7 +4174,7 @@
             <a:fld id="{B61BEF0D-F0BB-DE4B-95CE-6DB70DBA9567}" type="datetimeFigureOut">
               <a:rPr lang="en-US" dirty="0"/>
               <a:pPr/>
-              <a:t>9/24/2024</a:t>
+              <a:t>9/28/2024</a:t>
             </a:fld>
             <a:endParaRPr lang="en-US" dirty="0"/>
           </a:p>
@@ -4343,7 +4348,7 @@
             <a:fld id="{B61BEF0D-F0BB-DE4B-95CE-6DB70DBA9567}" type="datetimeFigureOut">
               <a:rPr lang="en-US" dirty="0"/>
               <a:pPr/>
-              <a:t>9/24/2024</a:t>
+              <a:t>9/28/2024</a:t>
             </a:fld>
             <a:endParaRPr lang="en-US" dirty="0"/>
           </a:p>
@@ -4673,7 +4678,7 @@
             <a:fld id="{B61BEF0D-F0BB-DE4B-95CE-6DB70DBA9567}" type="datetimeFigureOut">
               <a:rPr lang="en-US" dirty="0"/>
               <a:pPr/>
-              <a:t>9/24/2024</a:t>
+              <a:t>9/28/2024</a:t>
             </a:fld>
             <a:endParaRPr lang="en-US" dirty="0"/>
           </a:p>
@@ -5015,7 +5020,7 @@
             <a:fld id="{B61BEF0D-F0BB-DE4B-95CE-6DB70DBA9567}" type="datetimeFigureOut">
               <a:rPr lang="en-US" dirty="0"/>
               <a:pPr/>
-              <a:t>9/24/2024</a:t>
+              <a:t>9/28/2024</a:t>
             </a:fld>
             <a:endParaRPr lang="en-US" dirty="0"/>
           </a:p>
@@ -7129,7 +7134,7 @@
             <a:fld id="{B61BEF0D-F0BB-DE4B-95CE-6DB70DBA9567}" type="datetimeFigureOut">
               <a:rPr lang="en-US" dirty="0"/>
               <a:pPr/>
-              <a:t>9/24/2024</a:t>
+              <a:t>9/28/2024</a:t>
             </a:fld>
             <a:endParaRPr lang="en-US" dirty="0"/>
           </a:p>
@@ -8103,7 +8108,6 @@
               <a:rPr lang="ko-KR" altLang="en-US" sz="1100" dirty="0"/>
               <a:t>콜 추가</a:t>
             </a:r>
-            <a:endParaRPr lang="ko-KR" altLang="en-US" sz="1100" dirty="0"/>
           </a:p>
         </p:txBody>
       </p:sp>
@@ -9131,6 +9135,290 @@
     <p:extLst>
       <p:ext uri="{BB962C8B-B14F-4D97-AF65-F5344CB8AC3E}">
         <p14:creationId xmlns:p14="http://schemas.microsoft.com/office/powerpoint/2010/main" val="3683090148"/>
+      </p:ext>
+    </p:extLst>
+  </p:cSld>
+  <p:clrMapOvr>
+    <a:masterClrMapping/>
+  </p:clrMapOvr>
+</p:sld>
+</file>
+
+<file path=ppt/slides/slide6.xml><?xml version="1.0" encoding="utf-8"?>
+<p:sld xmlns:a="http://schemas.openxmlformats.org/drawingml/2006/main" xmlns:r="http://schemas.openxmlformats.org/officeDocument/2006/relationships" xmlns:p="http://schemas.openxmlformats.org/presentationml/2006/main">
+  <p:cSld>
+    <p:spTree>
+      <p:nvGrpSpPr>
+        <p:cNvPr id="1" name=""/>
+        <p:cNvGrpSpPr/>
+        <p:nvPr/>
+      </p:nvGrpSpPr>
+      <p:grpSpPr>
+        <a:xfrm>
+          <a:off x="0" y="0"/>
+          <a:ext cx="0" cy="0"/>
+          <a:chOff x="0" y="0"/>
+          <a:chExt cx="0" cy="0"/>
+        </a:xfrm>
+      </p:grpSpPr>
+      <p:sp>
+        <p:nvSpPr>
+          <p:cNvPr id="2" name="제목 1"/>
+          <p:cNvSpPr>
+            <a:spLocks noGrp="1"/>
+          </p:cNvSpPr>
+          <p:nvPr>
+            <p:ph type="title"/>
+          </p:nvPr>
+        </p:nvSpPr>
+        <p:spPr/>
+        <p:txBody>
+          <a:bodyPr/>
+          <a:lstStyle/>
+          <a:p>
+            <a:r>
+              <a:rPr lang="ko-KR" altLang="en-US" dirty="0" smtClean="0"/>
+              <a:t>제목 복제</a:t>
+            </a:r>
+            <a:endParaRPr lang="ko-KR" altLang="en-US" dirty="0"/>
+          </a:p>
+        </p:txBody>
+      </p:sp>
+      <p:grpSp>
+        <p:nvGrpSpPr>
+          <p:cNvPr id="9" name="그룹 8"/>
+          <p:cNvGrpSpPr/>
+          <p:nvPr/>
+        </p:nvGrpSpPr>
+        <p:grpSpPr>
+          <a:xfrm>
+            <a:off x="2592925" y="1498991"/>
+            <a:ext cx="2672501" cy="2921934"/>
+            <a:chOff x="2592925" y="1498991"/>
+            <a:chExt cx="2672501" cy="2921934"/>
+          </a:xfrm>
+        </p:grpSpPr>
+        <p:pic>
+          <p:nvPicPr>
+            <p:cNvPr id="4" name="그림 3"/>
+            <p:cNvPicPr>
+              <a:picLocks noChangeAspect="1"/>
+            </p:cNvPicPr>
+            <p:nvPr/>
+          </p:nvPicPr>
+          <p:blipFill>
+            <a:blip r:embed="rId2"/>
+            <a:stretch>
+              <a:fillRect/>
+            </a:stretch>
+          </p:blipFill>
+          <p:spPr>
+            <a:xfrm>
+              <a:off x="2592925" y="1498991"/>
+              <a:ext cx="2672501" cy="2921934"/>
+            </a:xfrm>
+            <a:prstGeom prst="rect">
+              <a:avLst/>
+            </a:prstGeom>
+          </p:spPr>
+        </p:pic>
+        <p:sp>
+          <p:nvSpPr>
+            <p:cNvPr id="5" name="직사각형 4"/>
+            <p:cNvSpPr/>
+            <p:nvPr/>
+          </p:nvSpPr>
+          <p:spPr>
+            <a:xfrm>
+              <a:off x="2870421" y="2560320"/>
+              <a:ext cx="413468" cy="159026"/>
+            </a:xfrm>
+            <a:prstGeom prst="rect">
+              <a:avLst/>
+            </a:prstGeom>
+            <a:noFill/>
+          </p:spPr>
+          <p:style>
+            <a:lnRef idx="2">
+              <a:schemeClr val="accent1">
+                <a:shade val="50000"/>
+              </a:schemeClr>
+            </a:lnRef>
+            <a:fillRef idx="1">
+              <a:schemeClr val="accent1"/>
+            </a:fillRef>
+            <a:effectRef idx="0">
+              <a:schemeClr val="accent1"/>
+            </a:effectRef>
+            <a:fontRef idx="minor">
+              <a:schemeClr val="lt1"/>
+            </a:fontRef>
+          </p:style>
+          <p:txBody>
+            <a:bodyPr rtlCol="0" anchor="ctr"/>
+            <a:lstStyle/>
+            <a:p>
+              <a:pPr algn="ctr"/>
+              <a:endParaRPr lang="ko-KR" altLang="en-US"/>
+            </a:p>
+          </p:txBody>
+        </p:sp>
+        <p:sp>
+          <p:nvSpPr>
+            <p:cNvPr id="6" name="직사각형 5"/>
+            <p:cNvSpPr/>
+            <p:nvPr/>
+          </p:nvSpPr>
+          <p:spPr>
+            <a:xfrm>
+              <a:off x="4405022" y="2886324"/>
+              <a:ext cx="860403" cy="182880"/>
+            </a:xfrm>
+            <a:prstGeom prst="rect">
+              <a:avLst/>
+            </a:prstGeom>
+            <a:noFill/>
+          </p:spPr>
+          <p:style>
+            <a:lnRef idx="2">
+              <a:schemeClr val="accent1">
+                <a:shade val="50000"/>
+              </a:schemeClr>
+            </a:lnRef>
+            <a:fillRef idx="1">
+              <a:schemeClr val="accent1"/>
+            </a:fillRef>
+            <a:effectRef idx="0">
+              <a:schemeClr val="accent1"/>
+            </a:effectRef>
+            <a:fontRef idx="minor">
+              <a:schemeClr val="lt1"/>
+            </a:fontRef>
+          </p:style>
+          <p:txBody>
+            <a:bodyPr rtlCol="0" anchor="ctr"/>
+            <a:lstStyle/>
+            <a:p>
+              <a:pPr algn="ctr"/>
+              <a:endParaRPr lang="ko-KR" altLang="en-US"/>
+            </a:p>
+          </p:txBody>
+        </p:sp>
+        <p:cxnSp>
+          <p:nvCxnSpPr>
+            <p:cNvPr id="8" name="직선 화살표 연결선 7"/>
+            <p:cNvCxnSpPr>
+              <a:stCxn id="5" idx="3"/>
+              <a:endCxn id="6" idx="1"/>
+            </p:cNvCxnSpPr>
+            <p:nvPr/>
+          </p:nvCxnSpPr>
+          <p:spPr>
+            <a:xfrm>
+              <a:off x="3283889" y="2639833"/>
+              <a:ext cx="1121133" cy="337931"/>
+            </a:xfrm>
+            <a:prstGeom prst="straightConnector1">
+              <a:avLst/>
+            </a:prstGeom>
+            <a:ln>
+              <a:tailEnd type="triangle"/>
+            </a:ln>
+          </p:spPr>
+          <p:style>
+            <a:lnRef idx="1">
+              <a:schemeClr val="accent1"/>
+            </a:lnRef>
+            <a:fillRef idx="0">
+              <a:schemeClr val="accent1"/>
+            </a:fillRef>
+            <a:effectRef idx="0">
+              <a:schemeClr val="accent1"/>
+            </a:effectRef>
+            <a:fontRef idx="minor">
+              <a:schemeClr val="tx1"/>
+            </a:fontRef>
+          </p:style>
+        </p:cxnSp>
+      </p:grpSp>
+      <p:sp>
+        <p:nvSpPr>
+          <p:cNvPr id="10" name="TextBox 9"/>
+          <p:cNvSpPr txBox="1"/>
+          <p:nvPr/>
+        </p:nvSpPr>
+        <p:spPr>
+          <a:xfrm>
+            <a:off x="5423652" y="2854519"/>
+            <a:ext cx="6321287" cy="276999"/>
+          </a:xfrm>
+          <a:prstGeom prst="rect">
+            <a:avLst/>
+          </a:prstGeom>
+          <a:noFill/>
+        </p:spPr>
+        <p:txBody>
+          <a:bodyPr wrap="square" rtlCol="0">
+            <a:spAutoFit/>
+          </a:bodyPr>
+          <a:lstStyle/>
+          <a:p>
+            <a:r>
+              <a:rPr lang="ko-KR" altLang="en-US" sz="1200" dirty="0" smtClean="0"/>
+              <a:t>제목 복제 </a:t>
+            </a:r>
+            <a:r>
+              <a:rPr lang="en-US" altLang="ko-KR" sz="1200" dirty="0" smtClean="0"/>
+              <a:t>or alt + </a:t>
+            </a:r>
+            <a:r>
+              <a:rPr lang="ko-KR" altLang="en-US" sz="1200" dirty="0" smtClean="0"/>
+              <a:t>드래그로 </a:t>
+            </a:r>
+            <a:r>
+              <a:rPr lang="en-US" altLang="ko-KR" sz="1200" dirty="0"/>
+              <a:t>/</a:t>
+            </a:r>
+            <a:r>
+              <a:rPr lang="ko-KR" altLang="en-US" sz="1200" dirty="0" smtClean="0"/>
+              <a:t>콜 때 처럼 복제가 가능하다</a:t>
+            </a:r>
+            <a:r>
+              <a:rPr lang="en-US" altLang="ko-KR" sz="1200" dirty="0" smtClean="0"/>
+              <a:t>.</a:t>
+            </a:r>
+            <a:endParaRPr lang="ko-KR" altLang="en-US" sz="1200" dirty="0"/>
+          </a:p>
+        </p:txBody>
+      </p:sp>
+      <p:pic>
+        <p:nvPicPr>
+          <p:cNvPr id="11" name="그림 10"/>
+          <p:cNvPicPr>
+            <a:picLocks noChangeAspect="1"/>
+          </p:cNvPicPr>
+          <p:nvPr/>
+        </p:nvPicPr>
+        <p:blipFill>
+          <a:blip r:embed="rId3"/>
+          <a:stretch>
+            <a:fillRect/>
+          </a:stretch>
+        </p:blipFill>
+        <p:spPr>
+          <a:xfrm>
+            <a:off x="5423652" y="3533897"/>
+            <a:ext cx="6642333" cy="3074916"/>
+          </a:xfrm>
+          <a:prstGeom prst="rect">
+            <a:avLst/>
+          </a:prstGeom>
+        </p:spPr>
+      </p:pic>
+    </p:spTree>
+    <p:extLst>
+      <p:ext uri="{BB962C8B-B14F-4D97-AF65-F5344CB8AC3E}">
+        <p14:creationId xmlns:p14="http://schemas.microsoft.com/office/powerpoint/2010/main" val="3651503136"/>
       </p:ext>
     </p:extLst>
   </p:cSld>
